--- a/text/12.chapter14.pptx
+++ b/text/12.chapter14.pptx
@@ -1838,7 +1838,7 @@
           <a:graphicData uri="http://schemas.openxmlformats.org/presentationml/2006/ole">
             <mc:AlternateContent xmlns:mc="http://schemas.openxmlformats.org/markup-compatibility/2006">
               <mc:Choice xmlns:v="urn:schemas-microsoft-com:vml" Requires="v">
-                <p:oleObj spid="_x0000_s224558" name="Image" r:id="rId3" imgW="12190476" imgH="431594" progId="">
+                <p:oleObj spid="_x0000_s224560" name="Image" r:id="rId3" imgW="12190476" imgH="431594" progId="">
                   <p:embed/>
                 </p:oleObj>
               </mc:Choice>
@@ -9038,8 +9038,12 @@
           <a:p>
             <a:pPr lvl="1"/>
             <a:r>
-              <a:rPr kumimoji="1" lang="ja-JP" altLang="en-US" sz="1800" dirty="0" smtClean="0"/>
-              <a:t>スケジュールは共有のリソース（タスクリスト）をアクセスする</a:t>
+              <a:rPr lang="ja-JP" altLang="en-US" sz="1800" dirty="0"/>
+              <a:t>スケジューラは</a:t>
+            </a:r>
+            <a:r>
+              <a:rPr kumimoji="1" lang="ja-JP" altLang="en-US" sz="1800" dirty="0" smtClean="0"/>
+              <a:t>共有のリソース（タスクリスト）をアクセスする</a:t>
             </a:r>
             <a:endParaRPr kumimoji="1" lang="en-US" altLang="ja-JP" sz="1800" dirty="0" smtClean="0"/>
           </a:p>
@@ -10756,8 +10760,8 @@
               <a:t>全てのプロセッサはキャッシュコヒーレントが</a:t>
             </a:r>
             <a:r>
-              <a:rPr kumimoji="1" lang="ja-JP" altLang="en-US" sz="1800" dirty="0" err="1" smtClean="0"/>
-              <a:t>保たれいる</a:t>
+              <a:rPr kumimoji="1" lang="ja-JP" altLang="en-US" sz="1800" dirty="0" smtClean="0"/>
+              <a:t>保たれている</a:t>
             </a:r>
             <a:endParaRPr kumimoji="1" lang="en-US" altLang="ja-JP" sz="1800" dirty="0" smtClean="0"/>
           </a:p>
@@ -14747,11 +14751,7 @@
           <a:p>
             <a:r>
               <a:rPr lang="en-US" altLang="ja-JP" dirty="0"/>
-              <a:t>Cache coherency between clusters</a:t>
-            </a:r>
-            <a:r>
-              <a:rPr lang="en-US" altLang="ja-JP" dirty="0"/>
-              <a:t> </a:t>
+              <a:t>Cache coherency between clusters </a:t>
             </a:r>
             <a:endParaRPr kumimoji="1" lang="ja-JP" altLang="en-US" dirty="0"/>
           </a:p>
@@ -17331,11 +17331,7 @@
             </a:r>
             <a:r>
               <a:rPr lang="en-US" altLang="ja-JP" sz="1800" dirty="0"/>
-              <a:t>NIC-400 Network Interconnect</a:t>
-            </a:r>
-            <a:r>
-              <a:rPr lang="en-US" altLang="ja-JP" sz="1800" dirty="0"/>
-              <a:t> </a:t>
+              <a:t>NIC-400 Network Interconnect </a:t>
             </a:r>
             <a:endParaRPr lang="en-US" altLang="ja-JP" sz="1800" dirty="0" smtClean="0"/>
           </a:p>
@@ -17825,7 +17821,19 @@
             </a:r>
             <a:r>
               <a:rPr kumimoji="1" lang="ja-JP" altLang="en-US" sz="1800" dirty="0" smtClean="0"/>
-              <a:t>により実行するするコアを動的にスケジューリングする</a:t>
+              <a:t>により</a:t>
+            </a:r>
+            <a:r>
+              <a:rPr kumimoji="1" lang="ja-JP" altLang="en-US" sz="1800" dirty="0" smtClean="0"/>
+              <a:t>実行する</a:t>
+            </a:r>
+            <a:r>
+              <a:rPr kumimoji="1" lang="ja-JP" altLang="en-US" sz="1800" dirty="0" smtClean="0"/>
+              <a:t>コアを動的に</a:t>
+            </a:r>
+            <a:r>
+              <a:rPr kumimoji="1" lang="ja-JP" altLang="en-US" sz="1800" dirty="0" smtClean="0"/>
+              <a:t>スケジューリングされる</a:t>
             </a:r>
             <a:endParaRPr kumimoji="1" lang="en-US" altLang="ja-JP" sz="1800" dirty="0" smtClean="0"/>
           </a:p>
